--- a/Class2/캡스톤 디자인 2주차.pptx
+++ b/Class2/캡스톤 디자인 2주차.pptx
@@ -7,11 +7,12 @@
   <p:sldIdLst>
     <p:sldId id="256" r:id="rId2"/>
     <p:sldId id="257" r:id="rId3"/>
-    <p:sldId id="262" r:id="rId4"/>
-    <p:sldId id="263" r:id="rId5"/>
-    <p:sldId id="259" r:id="rId6"/>
-    <p:sldId id="260" r:id="rId7"/>
-    <p:sldId id="261" r:id="rId8"/>
+    <p:sldId id="264" r:id="rId4"/>
+    <p:sldId id="262" r:id="rId5"/>
+    <p:sldId id="263" r:id="rId6"/>
+    <p:sldId id="259" r:id="rId7"/>
+    <p:sldId id="260" r:id="rId8"/>
+    <p:sldId id="261" r:id="rId9"/>
   </p:sldIdLst>
   <p:sldSz cx="12192000" cy="6858000"/>
   <p:notesSz cx="6858000" cy="9144000"/>
@@ -3703,7 +3704,7 @@
                 <a16:creationId xmlns:a16="http://schemas.microsoft.com/office/drawing/2014/main" id="{867D4867-5BA7-4462-B2F6-A23F4A622AA7}"/>
               </a:ext>
               <a:ext uri="{C183D7F6-B498-43B3-948B-1728B52AA6E4}">
-                <adec:decorative xmlns:adec="http://schemas.microsoft.com/office/drawing/2017/decorative" val="1"/>
+                <adec:decorative xmlns:adec="http://schemas.microsoft.com/office/drawing/2017/decorative" xmlns="" val="1"/>
               </a:ext>
             </a:extLst>
           </p:cNvPr>
@@ -3898,6 +3899,570 @@
 <file path=ppt/slides/slide3.xml><?xml version="1.0" encoding="utf-8"?>
 <p:sld xmlns:a="http://schemas.openxmlformats.org/drawingml/2006/main" xmlns:r="http://schemas.openxmlformats.org/officeDocument/2006/relationships" xmlns:p="http://schemas.openxmlformats.org/presentationml/2006/main">
   <p:cSld>
+    <p:spTree>
+      <p:nvGrpSpPr>
+        <p:cNvPr id="1" name=""/>
+        <p:cNvGrpSpPr/>
+        <p:nvPr/>
+      </p:nvGrpSpPr>
+      <p:grpSpPr>
+        <a:xfrm>
+          <a:off x="0" y="0"/>
+          <a:ext cx="0" cy="0"/>
+          <a:chOff x="0" y="0"/>
+          <a:chExt cx="0" cy="0"/>
+        </a:xfrm>
+      </p:grpSpPr>
+      <p:pic>
+        <p:nvPicPr>
+          <p:cNvPr id="18" name="그림 17">
+            <a:extLst>
+              <a:ext uri="{FF2B5EF4-FFF2-40B4-BE49-F238E27FC236}">
+                <a16:creationId xmlns:a16="http://schemas.microsoft.com/office/drawing/2014/main" id="{EFF7A184-3AB1-4848-B76C-C366536F84C6}"/>
+              </a:ext>
+            </a:extLst>
+          </p:cNvPr>
+          <p:cNvPicPr>
+            <a:picLocks noChangeAspect="1"/>
+          </p:cNvPicPr>
+          <p:nvPr/>
+        </p:nvPicPr>
+        <p:blipFill>
+          <a:blip r:embed="rId2"/>
+          <a:stretch>
+            <a:fillRect/>
+          </a:stretch>
+        </p:blipFill>
+        <p:spPr>
+          <a:xfrm>
+            <a:off x="2384665" y="557343"/>
+            <a:ext cx="1542195" cy="1175923"/>
+          </a:xfrm>
+          <a:prstGeom prst="rect">
+            <a:avLst/>
+          </a:prstGeom>
+        </p:spPr>
+      </p:pic>
+      <p:pic>
+        <p:nvPicPr>
+          <p:cNvPr id="3" name="그림 2" descr="Phone Smart Android · Free photo on Pixabay"/>
+          <p:cNvPicPr>
+            <a:picLocks noChangeAspect="1"/>
+          </p:cNvPicPr>
+          <p:nvPr/>
+        </p:nvPicPr>
+        <p:blipFill>
+          <a:blip r:embed="rId3">
+            <a:extLst>
+              <a:ext uri="{28A0092B-C50C-407E-A947-70E740481C1C}">
+                <a14:useLocalDpi xmlns:a14="http://schemas.microsoft.com/office/drawing/2010/main" val="0"/>
+              </a:ext>
+            </a:extLst>
+          </a:blip>
+          <a:stretch>
+            <a:fillRect/>
+          </a:stretch>
+        </p:blipFill>
+        <p:spPr>
+          <a:xfrm rot="21357908">
+            <a:off x="7862230" y="1470007"/>
+            <a:ext cx="4697148" cy="4028507"/>
+          </a:xfrm>
+          <a:prstGeom prst="rect">
+            <a:avLst/>
+          </a:prstGeom>
+        </p:spPr>
+      </p:pic>
+      <p:pic>
+        <p:nvPicPr>
+          <p:cNvPr id="10" name="그림 9">
+            <a:extLst>
+              <a:ext uri="{FF2B5EF4-FFF2-40B4-BE49-F238E27FC236}">
+                <a16:creationId xmlns:a16="http://schemas.microsoft.com/office/drawing/2014/main" id="{921751FB-358D-479F-AFFA-8A68CEE15B20}"/>
+              </a:ext>
+            </a:extLst>
+          </p:cNvPr>
+          <p:cNvPicPr>
+            <a:picLocks noChangeAspect="1"/>
+          </p:cNvPicPr>
+          <p:nvPr/>
+        </p:nvPicPr>
+        <p:blipFill>
+          <a:blip r:embed="rId4"/>
+          <a:stretch>
+            <a:fillRect/>
+          </a:stretch>
+        </p:blipFill>
+        <p:spPr>
+          <a:xfrm>
+            <a:off x="9031368" y="2051409"/>
+            <a:ext cx="1281384" cy="2696208"/>
+          </a:xfrm>
+          <a:prstGeom prst="rect">
+            <a:avLst/>
+          </a:prstGeom>
+        </p:spPr>
+      </p:pic>
+      <p:cxnSp>
+        <p:nvCxnSpPr>
+          <p:cNvPr id="7" name="직선 화살표 연결선 6"/>
+          <p:cNvCxnSpPr>
+            <a:stCxn id="3" idx="1"/>
+          </p:cNvCxnSpPr>
+          <p:nvPr/>
+        </p:nvCxnSpPr>
+        <p:spPr>
+          <a:xfrm flipH="1">
+            <a:off x="7308376" y="3649515"/>
+            <a:ext cx="559675" cy="5345"/>
+          </a:xfrm>
+          <a:prstGeom prst="straightConnector1">
+            <a:avLst/>
+          </a:prstGeom>
+          <a:ln>
+            <a:tailEnd type="triangle"/>
+          </a:ln>
+        </p:spPr>
+        <p:style>
+          <a:lnRef idx="1">
+            <a:schemeClr val="accent1"/>
+          </a:lnRef>
+          <a:fillRef idx="0">
+            <a:schemeClr val="accent1"/>
+          </a:fillRef>
+          <a:effectRef idx="0">
+            <a:schemeClr val="accent1"/>
+          </a:effectRef>
+          <a:fontRef idx="minor">
+            <a:schemeClr val="tx1"/>
+          </a:fontRef>
+        </p:style>
+      </p:cxnSp>
+      <p:sp>
+        <p:nvSpPr>
+          <p:cNvPr id="12" name="순서도: 자기 디스크 11"/>
+          <p:cNvSpPr/>
+          <p:nvPr/>
+        </p:nvSpPr>
+        <p:spPr>
+          <a:xfrm>
+            <a:off x="5775536" y="3015991"/>
+            <a:ext cx="1495740" cy="1277738"/>
+          </a:xfrm>
+          <a:prstGeom prst="flowChartMagneticDisk">
+            <a:avLst/>
+          </a:prstGeom>
+          <a:solidFill>
+            <a:schemeClr val="bg1"/>
+          </a:solidFill>
+        </p:spPr>
+        <p:style>
+          <a:lnRef idx="2">
+            <a:schemeClr val="accent1">
+              <a:shade val="50000"/>
+            </a:schemeClr>
+          </a:lnRef>
+          <a:fillRef idx="1">
+            <a:schemeClr val="accent1"/>
+          </a:fillRef>
+          <a:effectRef idx="0">
+            <a:schemeClr val="accent1"/>
+          </a:effectRef>
+          <a:fontRef idx="minor">
+            <a:schemeClr val="lt1"/>
+          </a:fontRef>
+        </p:style>
+        <p:txBody>
+          <a:bodyPr rtlCol="0" anchor="ctr"/>
+          <a:lstStyle/>
+          <a:p>
+            <a:pPr algn="ctr"/>
+            <a:r>
+              <a:rPr lang="en-US" altLang="ko-KR" dirty="0" smtClean="0">
+                <a:solidFill>
+                  <a:schemeClr val="tx1"/>
+                </a:solidFill>
+              </a:rPr>
+              <a:t>Server</a:t>
+            </a:r>
+            <a:endParaRPr lang="ko-KR" altLang="en-US" dirty="0">
+              <a:solidFill>
+                <a:schemeClr val="tx1"/>
+              </a:solidFill>
+            </a:endParaRPr>
+          </a:p>
+        </p:txBody>
+      </p:sp>
+      <p:pic>
+        <p:nvPicPr>
+          <p:cNvPr id="14" name="그림 13" descr="&lt;strong&gt;기타&lt;/strong&gt; 비올라 음악 · Pixabay의 무료 이미지"/>
+          <p:cNvPicPr>
+            <a:picLocks noChangeAspect="1"/>
+          </p:cNvPicPr>
+          <p:nvPr/>
+        </p:nvPicPr>
+        <p:blipFill>
+          <a:blip r:embed="rId5" cstate="hqprint">
+            <a:extLst>
+              <a:ext uri="{28A0092B-C50C-407E-A947-70E740481C1C}">
+                <a14:useLocalDpi xmlns:a14="http://schemas.microsoft.com/office/drawing/2010/main" val="0"/>
+              </a:ext>
+            </a:extLst>
+          </a:blip>
+          <a:stretch>
+            <a:fillRect/>
+          </a:stretch>
+        </p:blipFill>
+        <p:spPr>
+          <a:xfrm rot="3731990">
+            <a:off x="1044692" y="0"/>
+            <a:ext cx="1364137" cy="1623436"/>
+          </a:xfrm>
+          <a:prstGeom prst="rect">
+            <a:avLst/>
+          </a:prstGeom>
+        </p:spPr>
+      </p:pic>
+      <p:pic>
+        <p:nvPicPr>
+          <p:cNvPr id="15" name="그림 14" descr="&lt;strong&gt;드럼&lt;/strong&gt; 드러 머 기계 · Pixabay의 무료 이미지"/>
+          <p:cNvPicPr>
+            <a:picLocks noChangeAspect="1"/>
+          </p:cNvPicPr>
+          <p:nvPr/>
+        </p:nvPicPr>
+        <p:blipFill>
+          <a:blip r:embed="rId6">
+            <a:extLst>
+              <a:ext uri="{28A0092B-C50C-407E-A947-70E740481C1C}">
+                <a14:useLocalDpi xmlns:a14="http://schemas.microsoft.com/office/drawing/2010/main" val="0"/>
+              </a:ext>
+            </a:extLst>
+          </a:blip>
+          <a:stretch>
+            <a:fillRect/>
+          </a:stretch>
+        </p:blipFill>
+        <p:spPr>
+          <a:xfrm>
+            <a:off x="-313899" y="1243245"/>
+            <a:ext cx="2522004" cy="2202813"/>
+          </a:xfrm>
+          <a:prstGeom prst="rect">
+            <a:avLst/>
+          </a:prstGeom>
+        </p:spPr>
+      </p:pic>
+      <p:pic>
+        <p:nvPicPr>
+          <p:cNvPr id="16" name="그림 15" descr="File:Steinway &amp; Sons concert grand piano, model D-274, manufactured at Steinway's ..."/>
+          <p:cNvPicPr>
+            <a:picLocks noChangeAspect="1"/>
+          </p:cNvPicPr>
+          <p:nvPr/>
+        </p:nvPicPr>
+        <p:blipFill>
+          <a:blip r:embed="rId7" cstate="hqprint">
+            <a:extLst>
+              <a:ext uri="{28A0092B-C50C-407E-A947-70E740481C1C}">
+                <a14:useLocalDpi xmlns:a14="http://schemas.microsoft.com/office/drawing/2010/main" val="0"/>
+              </a:ext>
+            </a:extLst>
+          </a:blip>
+          <a:stretch>
+            <a:fillRect/>
+          </a:stretch>
+        </p:blipFill>
+        <p:spPr>
+          <a:xfrm>
+            <a:off x="147932" y="3289889"/>
+            <a:ext cx="2287695" cy="2203763"/>
+          </a:xfrm>
+          <a:prstGeom prst="rect">
+            <a:avLst/>
+          </a:prstGeom>
+        </p:spPr>
+      </p:pic>
+      <p:pic>
+        <p:nvPicPr>
+          <p:cNvPr id="17" name="그림 16" descr="&lt;strong&gt;마이크&lt;/strong&gt; 라디오 오디오 · Pixabay의 무료 이미지"/>
+          <p:cNvPicPr>
+            <a:picLocks noChangeAspect="1"/>
+          </p:cNvPicPr>
+          <p:nvPr/>
+        </p:nvPicPr>
+        <p:blipFill>
+          <a:blip r:embed="rId8" cstate="hqprint">
+            <a:extLst>
+              <a:ext uri="{28A0092B-C50C-407E-A947-70E740481C1C}">
+                <a14:useLocalDpi xmlns:a14="http://schemas.microsoft.com/office/drawing/2010/main" val="0"/>
+              </a:ext>
+            </a:extLst>
+          </a:blip>
+          <a:stretch>
+            <a:fillRect/>
+          </a:stretch>
+        </p:blipFill>
+        <p:spPr>
+          <a:xfrm>
+            <a:off x="855768" y="5309496"/>
+            <a:ext cx="1352337" cy="1459794"/>
+          </a:xfrm>
+          <a:prstGeom prst="rect">
+            <a:avLst/>
+          </a:prstGeom>
+        </p:spPr>
+      </p:pic>
+      <p:pic>
+        <p:nvPicPr>
+          <p:cNvPr id="19" name="그림 18">
+            <a:extLst>
+              <a:ext uri="{FF2B5EF4-FFF2-40B4-BE49-F238E27FC236}">
+                <a16:creationId xmlns:a16="http://schemas.microsoft.com/office/drawing/2014/main" id="{EFF7A184-3AB1-4848-B76C-C366536F84C6}"/>
+              </a:ext>
+            </a:extLst>
+          </p:cNvPr>
+          <p:cNvPicPr>
+            <a:picLocks noChangeAspect="1"/>
+          </p:cNvPicPr>
+          <p:nvPr/>
+        </p:nvPicPr>
+        <p:blipFill>
+          <a:blip r:embed="rId2"/>
+          <a:stretch>
+            <a:fillRect/>
+          </a:stretch>
+        </p:blipFill>
+        <p:spPr>
+          <a:xfrm>
+            <a:off x="1829227" y="2113966"/>
+            <a:ext cx="1542195" cy="1175923"/>
+          </a:xfrm>
+          <a:prstGeom prst="rect">
+            <a:avLst/>
+          </a:prstGeom>
+        </p:spPr>
+      </p:pic>
+      <p:pic>
+        <p:nvPicPr>
+          <p:cNvPr id="20" name="그림 19">
+            <a:extLst>
+              <a:ext uri="{FF2B5EF4-FFF2-40B4-BE49-F238E27FC236}">
+                <a16:creationId xmlns:a16="http://schemas.microsoft.com/office/drawing/2014/main" id="{EFF7A184-3AB1-4848-B76C-C366536F84C6}"/>
+              </a:ext>
+            </a:extLst>
+          </p:cNvPr>
+          <p:cNvPicPr>
+            <a:picLocks noChangeAspect="1"/>
+          </p:cNvPicPr>
+          <p:nvPr/>
+        </p:nvPicPr>
+        <p:blipFill>
+          <a:blip r:embed="rId2"/>
+          <a:stretch>
+            <a:fillRect/>
+          </a:stretch>
+        </p:blipFill>
+        <p:spPr>
+          <a:xfrm>
+            <a:off x="1991802" y="4133573"/>
+            <a:ext cx="1542195" cy="1175923"/>
+          </a:xfrm>
+          <a:prstGeom prst="rect">
+            <a:avLst/>
+          </a:prstGeom>
+        </p:spPr>
+      </p:pic>
+      <p:pic>
+        <p:nvPicPr>
+          <p:cNvPr id="21" name="그림 20">
+            <a:extLst>
+              <a:ext uri="{FF2B5EF4-FFF2-40B4-BE49-F238E27FC236}">
+                <a16:creationId xmlns:a16="http://schemas.microsoft.com/office/drawing/2014/main" id="{EFF7A184-3AB1-4848-B76C-C366536F84C6}"/>
+              </a:ext>
+            </a:extLst>
+          </p:cNvPr>
+          <p:cNvPicPr>
+            <a:picLocks noChangeAspect="1"/>
+          </p:cNvPicPr>
+          <p:nvPr/>
+        </p:nvPicPr>
+        <p:blipFill>
+          <a:blip r:embed="rId2"/>
+          <a:stretch>
+            <a:fillRect/>
+          </a:stretch>
+        </p:blipFill>
+        <p:spPr>
+          <a:xfrm>
+            <a:off x="2053216" y="5505496"/>
+            <a:ext cx="1542195" cy="1175923"/>
+          </a:xfrm>
+          <a:prstGeom prst="rect">
+            <a:avLst/>
+          </a:prstGeom>
+        </p:spPr>
+      </p:pic>
+      <p:cxnSp>
+        <p:nvCxnSpPr>
+          <p:cNvPr id="23" name="직선 화살표 연결선 22"/>
+          <p:cNvCxnSpPr>
+            <a:stCxn id="12" idx="2"/>
+            <a:endCxn id="18" idx="3"/>
+          </p:cNvCxnSpPr>
+          <p:nvPr/>
+        </p:nvCxnSpPr>
+        <p:spPr>
+          <a:xfrm flipH="1" flipV="1">
+            <a:off x="3926860" y="1145305"/>
+            <a:ext cx="1848676" cy="2509555"/>
+          </a:xfrm>
+          <a:prstGeom prst="straightConnector1">
+            <a:avLst/>
+          </a:prstGeom>
+          <a:ln>
+            <a:tailEnd type="triangle"/>
+          </a:ln>
+        </p:spPr>
+        <p:style>
+          <a:lnRef idx="1">
+            <a:schemeClr val="accent1"/>
+          </a:lnRef>
+          <a:fillRef idx="0">
+            <a:schemeClr val="accent1"/>
+          </a:fillRef>
+          <a:effectRef idx="0">
+            <a:schemeClr val="accent1"/>
+          </a:effectRef>
+          <a:fontRef idx="minor">
+            <a:schemeClr val="tx1"/>
+          </a:fontRef>
+        </p:style>
+      </p:cxnSp>
+      <p:cxnSp>
+        <p:nvCxnSpPr>
+          <p:cNvPr id="24" name="직선 화살표 연결선 23"/>
+          <p:cNvCxnSpPr>
+            <a:stCxn id="12" idx="2"/>
+            <a:endCxn id="19" idx="3"/>
+          </p:cNvCxnSpPr>
+          <p:nvPr/>
+        </p:nvCxnSpPr>
+        <p:spPr>
+          <a:xfrm flipH="1" flipV="1">
+            <a:off x="3371422" y="2701928"/>
+            <a:ext cx="2404114" cy="952932"/>
+          </a:xfrm>
+          <a:prstGeom prst="straightConnector1">
+            <a:avLst/>
+          </a:prstGeom>
+          <a:ln>
+            <a:tailEnd type="triangle"/>
+          </a:ln>
+        </p:spPr>
+        <p:style>
+          <a:lnRef idx="1">
+            <a:schemeClr val="accent1"/>
+          </a:lnRef>
+          <a:fillRef idx="0">
+            <a:schemeClr val="accent1"/>
+          </a:fillRef>
+          <a:effectRef idx="0">
+            <a:schemeClr val="accent1"/>
+          </a:effectRef>
+          <a:fontRef idx="minor">
+            <a:schemeClr val="tx1"/>
+          </a:fontRef>
+        </p:style>
+      </p:cxnSp>
+      <p:cxnSp>
+        <p:nvCxnSpPr>
+          <p:cNvPr id="27" name="직선 화살표 연결선 26"/>
+          <p:cNvCxnSpPr>
+            <a:stCxn id="12" idx="2"/>
+            <a:endCxn id="20" idx="3"/>
+          </p:cNvCxnSpPr>
+          <p:nvPr/>
+        </p:nvCxnSpPr>
+        <p:spPr>
+          <a:xfrm flipH="1">
+            <a:off x="3533997" y="3654860"/>
+            <a:ext cx="2241539" cy="1066675"/>
+          </a:xfrm>
+          <a:prstGeom prst="straightConnector1">
+            <a:avLst/>
+          </a:prstGeom>
+          <a:ln>
+            <a:tailEnd type="triangle"/>
+          </a:ln>
+        </p:spPr>
+        <p:style>
+          <a:lnRef idx="1">
+            <a:schemeClr val="accent1"/>
+          </a:lnRef>
+          <a:fillRef idx="0">
+            <a:schemeClr val="accent1"/>
+          </a:fillRef>
+          <a:effectRef idx="0">
+            <a:schemeClr val="accent1"/>
+          </a:effectRef>
+          <a:fontRef idx="minor">
+            <a:schemeClr val="tx1"/>
+          </a:fontRef>
+        </p:style>
+      </p:cxnSp>
+      <p:cxnSp>
+        <p:nvCxnSpPr>
+          <p:cNvPr id="30" name="직선 화살표 연결선 29"/>
+          <p:cNvCxnSpPr>
+            <a:stCxn id="12" idx="2"/>
+            <a:endCxn id="21" idx="3"/>
+          </p:cNvCxnSpPr>
+          <p:nvPr/>
+        </p:nvCxnSpPr>
+        <p:spPr>
+          <a:xfrm flipH="1">
+            <a:off x="3595411" y="3654860"/>
+            <a:ext cx="2180125" cy="2438598"/>
+          </a:xfrm>
+          <a:prstGeom prst="straightConnector1">
+            <a:avLst/>
+          </a:prstGeom>
+          <a:ln>
+            <a:tailEnd type="triangle"/>
+          </a:ln>
+        </p:spPr>
+        <p:style>
+          <a:lnRef idx="1">
+            <a:schemeClr val="accent1"/>
+          </a:lnRef>
+          <a:fillRef idx="0">
+            <a:schemeClr val="accent1"/>
+          </a:fillRef>
+          <a:effectRef idx="0">
+            <a:schemeClr val="accent1"/>
+          </a:effectRef>
+          <a:fontRef idx="minor">
+            <a:schemeClr val="tx1"/>
+          </a:fontRef>
+        </p:style>
+      </p:cxnSp>
+    </p:spTree>
+    <p:extLst>
+      <p:ext uri="{BB962C8B-B14F-4D97-AF65-F5344CB8AC3E}">
+        <p14:creationId xmlns:p14="http://schemas.microsoft.com/office/powerpoint/2010/main" val="1349373224"/>
+      </p:ext>
+    </p:extLst>
+  </p:cSld>
+  <p:clrMapOvr>
+    <a:masterClrMapping/>
+  </p:clrMapOvr>
+</p:sld>
+</file>
+
+<file path=ppt/slides/slide4.xml><?xml version="1.0" encoding="utf-8"?>
+<p:sld xmlns:a="http://schemas.openxmlformats.org/drawingml/2006/main" xmlns:r="http://schemas.openxmlformats.org/officeDocument/2006/relationships" xmlns:p="http://schemas.openxmlformats.org/presentationml/2006/main">
+  <p:cSld>
     <p:bg>
       <p:bgPr>
         <a:solidFill>
@@ -3928,7 +4493,7 @@
                 <a16:creationId xmlns:a16="http://schemas.microsoft.com/office/drawing/2014/main" id="{01D0AF59-99C3-4251-AB9A-C966C6AD4400}"/>
               </a:ext>
               <a:ext uri="{C183D7F6-B498-43B3-948B-1728B52AA6E4}">
-                <adec:decorative xmlns:adec="http://schemas.microsoft.com/office/drawing/2017/decorative" val="1"/>
+                <adec:decorative xmlns:adec="http://schemas.microsoft.com/office/drawing/2017/decorative" xmlns="" val="1"/>
               </a:ext>
             </a:extLst>
           </p:cNvPr>
@@ -3991,7 +4556,7 @@
                 <a16:creationId xmlns:a16="http://schemas.microsoft.com/office/drawing/2014/main" id="{1855405F-37A2-4869-9154-F8BE3BECE6C3}"/>
               </a:ext>
               <a:ext uri="{C183D7F6-B498-43B3-948B-1728B52AA6E4}">
-                <adec:decorative xmlns:adec="http://schemas.microsoft.com/office/drawing/2017/decorative" val="1"/>
+                <adec:decorative xmlns:adec="http://schemas.microsoft.com/office/drawing/2017/decorative" xmlns="" val="1"/>
               </a:ext>
             </a:extLst>
           </p:cNvPr>
@@ -4200,7 +4765,7 @@
 </p:sld>
 </file>
 
-<file path=ppt/slides/slide4.xml><?xml version="1.0" encoding="utf-8"?>
+<file path=ppt/slides/slide5.xml><?xml version="1.0" encoding="utf-8"?>
 <p:sld xmlns:a="http://schemas.openxmlformats.org/drawingml/2006/main" xmlns:r="http://schemas.openxmlformats.org/officeDocument/2006/relationships" xmlns:p="http://schemas.openxmlformats.org/presentationml/2006/main">
   <p:cSld>
     <p:bg>
@@ -4341,7 +4906,7 @@
 </p:sld>
 </file>
 
-<file path=ppt/slides/slide5.xml><?xml version="1.0" encoding="utf-8"?>
+<file path=ppt/slides/slide6.xml><?xml version="1.0" encoding="utf-8"?>
 <p:sld xmlns:a="http://schemas.openxmlformats.org/drawingml/2006/main" xmlns:r="http://schemas.openxmlformats.org/officeDocument/2006/relationships" xmlns:p="http://schemas.openxmlformats.org/presentationml/2006/main">
   <p:cSld>
     <p:spTree>
@@ -4461,7 +5026,7 @@
 </p:sld>
 </file>
 
-<file path=ppt/slides/slide6.xml><?xml version="1.0" encoding="utf-8"?>
+<file path=ppt/slides/slide7.xml><?xml version="1.0" encoding="utf-8"?>
 <p:sld xmlns:a="http://schemas.openxmlformats.org/drawingml/2006/main" xmlns:r="http://schemas.openxmlformats.org/officeDocument/2006/relationships" xmlns:p="http://schemas.openxmlformats.org/presentationml/2006/main">
   <p:cSld>
     <p:bg>
@@ -4494,7 +5059,7 @@
                 <a16:creationId xmlns:a16="http://schemas.microsoft.com/office/drawing/2014/main" id="{01D0AF59-99C3-4251-AB9A-C966C6AD4400}"/>
               </a:ext>
               <a:ext uri="{C183D7F6-B498-43B3-948B-1728B52AA6E4}">
-                <adec:decorative xmlns:adec="http://schemas.microsoft.com/office/drawing/2017/decorative" val="1"/>
+                <adec:decorative xmlns:adec="http://schemas.microsoft.com/office/drawing/2017/decorative" xmlns="" val="1"/>
               </a:ext>
             </a:extLst>
           </p:cNvPr>
@@ -4557,7 +5122,7 @@
                 <a16:creationId xmlns:a16="http://schemas.microsoft.com/office/drawing/2014/main" id="{1855405F-37A2-4869-9154-F8BE3BECE6C3}"/>
               </a:ext>
               <a:ext uri="{C183D7F6-B498-43B3-948B-1728B52AA6E4}">
-                <adec:decorative xmlns:adec="http://schemas.microsoft.com/office/drawing/2017/decorative" val="1"/>
+                <adec:decorative xmlns:adec="http://schemas.microsoft.com/office/drawing/2017/decorative" xmlns="" val="1"/>
               </a:ext>
             </a:extLst>
           </p:cNvPr>
@@ -4662,7 +5227,7 @@
 </p:sld>
 </file>
 
-<file path=ppt/slides/slide7.xml><?xml version="1.0" encoding="utf-8"?>
+<file path=ppt/slides/slide8.xml><?xml version="1.0" encoding="utf-8"?>
 <p:sld xmlns:a="http://schemas.openxmlformats.org/drawingml/2006/main" xmlns:r="http://schemas.openxmlformats.org/officeDocument/2006/relationships" xmlns:p="http://schemas.openxmlformats.org/presentationml/2006/main">
   <p:cSld>
     <p:spTree>
